--- a/Hi_World/Hi_World.pptx
+++ b/Hi_World/Hi_World.pptx
@@ -201,7 +201,7 @@
           <a:p>
             <a:fld id="{DD7A25D8-F173-4133-85F8-CB962D678EB5}" type="datetimeFigureOut">
               <a:rPr lang="de-DE" smtClean="0"/>
-              <a:t>14.01.2019</a:t>
+              <a:t>06.12.2019</a:t>
             </a:fld>
             <a:endParaRPr lang="de-DE"/>
           </a:p>
@@ -265,38 +265,37 @@
           <a:p>
             <a:pPr lvl="0"/>
             <a:r>
-              <a:rPr lang="de-DE" smtClean="0"/>
+              <a:rPr lang="de-DE"/>
               <a:t>Formatvorlagen des Textmasters bearbeiten</a:t>
             </a:r>
           </a:p>
           <a:p>
             <a:pPr lvl="1"/>
             <a:r>
-              <a:rPr lang="de-DE" smtClean="0"/>
+              <a:rPr lang="de-DE"/>
               <a:t>Zweite Ebene</a:t>
             </a:r>
           </a:p>
           <a:p>
             <a:pPr lvl="2"/>
             <a:r>
-              <a:rPr lang="de-DE" smtClean="0"/>
+              <a:rPr lang="de-DE"/>
               <a:t>Dritte Ebene</a:t>
             </a:r>
           </a:p>
           <a:p>
             <a:pPr lvl="3"/>
             <a:r>
-              <a:rPr lang="de-DE" smtClean="0"/>
+              <a:rPr lang="de-DE"/>
               <a:t>Vierte Ebene</a:t>
             </a:r>
           </a:p>
           <a:p>
             <a:pPr lvl="4"/>
             <a:r>
-              <a:rPr lang="de-DE" smtClean="0"/>
+              <a:rPr lang="de-DE"/>
               <a:t>Fünfte Ebene</a:t>
             </a:r>
-            <a:endParaRPr lang="de-DE"/>
           </a:p>
         </p:txBody>
       </p:sp>
@@ -511,7 +510,7 @@
           </a:lstStyle>
           <a:p>
             <a:r>
-              <a:rPr lang="de-DE" smtClean="0"/>
+              <a:rPr lang="de-DE"/>
               <a:t>Titelmasterformat durch Klicken bearbeiten</a:t>
             </a:r>
             <a:endParaRPr lang="en-US" dirty="0"/>
@@ -576,7 +575,7 @@
           </a:lstStyle>
           <a:p>
             <a:r>
-              <a:rPr lang="de-DE" smtClean="0"/>
+              <a:rPr lang="de-DE"/>
               <a:t>Formatvorlage des Untertitelmasters durch Klicken bearbeiten</a:t>
             </a:r>
             <a:endParaRPr lang="en-US" dirty="0"/>
@@ -600,7 +599,7 @@
           <a:p>
             <a:fld id="{FC9269F9-6F79-4414-A84E-D81C6C443C37}" type="datetimeFigureOut">
               <a:rPr lang="de-DE" smtClean="0"/>
-              <a:t>14.01.2019</a:t>
+              <a:t>06.12.2019</a:t>
             </a:fld>
             <a:endParaRPr lang="de-DE"/>
           </a:p>
@@ -658,13 +657,6 @@
   <p:clrMapOvr>
     <a:masterClrMapping/>
   </p:clrMapOvr>
-  <p:timing>
-    <p:tnLst>
-      <p:par>
-        <p:cTn id="1" dur="indefinite" restart="never" nodeType="tmRoot"/>
-      </p:par>
-    </p:tnLst>
-  </p:timing>
 </p:sldLayout>
 </file>
 
@@ -807,7 +799,7 @@
           </a:lstStyle>
           <a:p>
             <a:r>
-              <a:rPr lang="de-DE" dirty="0" smtClean="0"/>
+              <a:rPr lang="de-DE" dirty="0"/>
               <a:t>Titelmasterformat durch Klicken bearbeiten</a:t>
             </a:r>
             <a:endParaRPr lang="en-US" dirty="0"/>
@@ -1021,10 +1013,9 @@
           <a:p>
             <a:pPr lvl="0"/>
             <a:r>
-              <a:rPr lang="de-DE" dirty="0" smtClean="0"/>
+              <a:rPr lang="de-DE" dirty="0"/>
               <a:t>Aufgabentext</a:t>
             </a:r>
-            <a:endParaRPr lang="de-DE" dirty="0"/>
           </a:p>
         </p:txBody>
       </p:sp>
@@ -1051,10 +1042,9 @@
           <a:lstStyle/>
           <a:p>
             <a:r>
-              <a:rPr lang="de-DE" b="1" dirty="0" smtClean="0"/>
+              <a:rPr lang="de-DE" b="1" dirty="0"/>
               <a:t>Challenge</a:t>
             </a:r>
-            <a:endParaRPr lang="de-DE" b="1" dirty="0"/>
           </a:p>
         </p:txBody>
       </p:sp>
@@ -1091,10 +1081,9 @@
           <a:p>
             <a:pPr lvl="0"/>
             <a:r>
-              <a:rPr lang="de-DE" dirty="0" smtClean="0"/>
+              <a:rPr lang="de-DE" dirty="0"/>
               <a:t>Schwierigkeitsgrad</a:t>
             </a:r>
-            <a:endParaRPr lang="de-DE" dirty="0"/>
           </a:p>
         </p:txBody>
       </p:sp>
@@ -1131,7 +1120,7 @@
           <a:p>
             <a:pPr lvl="0"/>
             <a:r>
-              <a:rPr lang="de-DE" sz="3200" dirty="0" smtClean="0"/>
+              <a:rPr lang="de-DE" sz="3200" dirty="0"/>
               <a:t>N</a:t>
             </a:r>
             <a:endParaRPr lang="de-DE" dirty="0"/>
@@ -1249,6 +1238,42 @@
           </a:prstGeom>
         </p:spPr>
       </p:pic>
+      <p:pic>
+        <p:nvPicPr>
+          <p:cNvPr id="27" name="Grafik 26">
+            <a:extLst>
+              <a:ext uri="{FF2B5EF4-FFF2-40B4-BE49-F238E27FC236}">
+                <a16:creationId xmlns:a16="http://schemas.microsoft.com/office/drawing/2014/main" id="{21A9FE5C-35F7-4890-94C5-ACA981C579A5}"/>
+              </a:ext>
+            </a:extLst>
+          </p:cNvPr>
+          <p:cNvPicPr>
+            <a:picLocks noChangeAspect="1"/>
+          </p:cNvPicPr>
+          <p:nvPr userDrawn="1"/>
+        </p:nvPicPr>
+        <p:blipFill>
+          <a:blip r:embed="rId4" cstate="print">
+            <a:extLst>
+              <a:ext uri="{28A0092B-C50C-407E-A947-70E740481C1C}">
+                <a14:useLocalDpi xmlns:a14="http://schemas.microsoft.com/office/drawing/2010/main" val="0"/>
+              </a:ext>
+            </a:extLst>
+          </a:blip>
+          <a:stretch>
+            <a:fillRect/>
+          </a:stretch>
+        </p:blipFill>
+        <p:spPr>
+          <a:xfrm>
+            <a:off x="2074069" y="9099550"/>
+            <a:ext cx="381000" cy="571500"/>
+          </a:xfrm>
+          <a:prstGeom prst="rect">
+            <a:avLst/>
+          </a:prstGeom>
+        </p:spPr>
+      </p:pic>
     </p:spTree>
     <p:extLst>
       <p:ext uri="{BB962C8B-B14F-4D97-AF65-F5344CB8AC3E}">
@@ -1259,13 +1284,6 @@
   <p:clrMapOvr>
     <a:masterClrMapping/>
   </p:clrMapOvr>
-  <p:timing>
-    <p:tnLst>
-      <p:par>
-        <p:cTn id="1" dur="indefinite" restart="never" nodeType="tmRoot"/>
-      </p:par>
-    </p:tnLst>
-  </p:timing>
 </p:sldLayout>
 </file>
 
@@ -1408,7 +1426,7 @@
           </a:lstStyle>
           <a:p>
             <a:r>
-              <a:rPr lang="de-DE" dirty="0" smtClean="0"/>
+              <a:rPr lang="de-DE" dirty="0"/>
               <a:t>Titelmasterformat durch Klicken bearbeiten</a:t>
             </a:r>
             <a:endParaRPr lang="en-US" dirty="0"/>
@@ -1658,6 +1676,42 @@
           </a:prstGeom>
         </p:spPr>
       </p:pic>
+      <p:pic>
+        <p:nvPicPr>
+          <p:cNvPr id="20" name="Grafik 19">
+            <a:extLst>
+              <a:ext uri="{FF2B5EF4-FFF2-40B4-BE49-F238E27FC236}">
+                <a16:creationId xmlns:a16="http://schemas.microsoft.com/office/drawing/2014/main" id="{2243AAFD-F711-4EAF-A7FA-8960FE063C2C}"/>
+              </a:ext>
+            </a:extLst>
+          </p:cNvPr>
+          <p:cNvPicPr>
+            <a:picLocks noChangeAspect="1"/>
+          </p:cNvPicPr>
+          <p:nvPr userDrawn="1"/>
+        </p:nvPicPr>
+        <p:blipFill>
+          <a:blip r:embed="rId4" cstate="print">
+            <a:extLst>
+              <a:ext uri="{28A0092B-C50C-407E-A947-70E740481C1C}">
+                <a14:useLocalDpi xmlns:a14="http://schemas.microsoft.com/office/drawing/2010/main" val="0"/>
+              </a:ext>
+            </a:extLst>
+          </a:blip>
+          <a:stretch>
+            <a:fillRect/>
+          </a:stretch>
+        </p:blipFill>
+        <p:spPr>
+          <a:xfrm>
+            <a:off x="2074069" y="9099550"/>
+            <a:ext cx="381000" cy="571500"/>
+          </a:xfrm>
+          <a:prstGeom prst="rect">
+            <a:avLst/>
+          </a:prstGeom>
+        </p:spPr>
+      </p:pic>
     </p:spTree>
     <p:extLst>
       <p:ext uri="{BB962C8B-B14F-4D97-AF65-F5344CB8AC3E}">
@@ -1668,13 +1722,6 @@
   <p:clrMapOvr>
     <a:masterClrMapping/>
   </p:clrMapOvr>
-  <p:timing>
-    <p:tnLst>
-      <p:par>
-        <p:cTn id="1" dur="indefinite" restart="never" nodeType="tmRoot"/>
-      </p:par>
-    </p:tnLst>
-  </p:timing>
 </p:sldLayout>
 </file>
 
@@ -1724,10 +1771,9 @@
           </a:lstStyle>
           <a:p>
             <a:r>
-              <a:rPr lang="de-DE" dirty="0" smtClean="0"/>
+              <a:rPr lang="de-DE" dirty="0"/>
               <a:t>Aufgabe</a:t>
             </a:r>
-            <a:endParaRPr lang="de-DE" dirty="0"/>
           </a:p>
         </p:txBody>
       </p:sp>
@@ -1748,7 +1794,7 @@
           <a:p>
             <a:fld id="{FC9269F9-6F79-4414-A84E-D81C6C443C37}" type="datetimeFigureOut">
               <a:rPr lang="de-DE" smtClean="0"/>
-              <a:t>14.01.2019</a:t>
+              <a:t>06.12.2019</a:t>
             </a:fld>
             <a:endParaRPr lang="de-DE"/>
           </a:p>
@@ -1800,14 +1846,11 @@
           <a:lstStyle/>
           <a:p>
             <a:r>
-              <a:rPr lang="de-DE" sz="3600" b="1" dirty="0" smtClean="0">
+              <a:rPr lang="de-DE" sz="3600" b="1" dirty="0">
                 <a:latin typeface="+mn-lt"/>
               </a:rPr>
               <a:t>Lösung</a:t>
             </a:r>
-            <a:endParaRPr lang="de-DE" sz="3600" b="1" dirty="0">
-              <a:latin typeface="+mn-lt"/>
-            </a:endParaRPr>
           </a:p>
         </p:txBody>
       </p:sp>
@@ -1870,10 +1913,9 @@
           <a:lstStyle/>
           <a:p>
             <a:r>
-              <a:rPr lang="de-DE" sz="1200" dirty="0" smtClean="0"/>
+              <a:rPr lang="de-DE" sz="1200" dirty="0"/>
               <a:t>Verwendete Befehlsgruppen</a:t>
             </a:r>
-            <a:endParaRPr lang="de-DE" sz="1200" dirty="0"/>
           </a:p>
         </p:txBody>
       </p:sp>
@@ -1960,10 +2002,9 @@
           <a:lstStyle/>
           <a:p>
             <a:r>
-              <a:rPr lang="de-DE" sz="1600" b="1" dirty="0" smtClean="0"/>
+              <a:rPr lang="de-DE" sz="1600" b="1" dirty="0"/>
               <a:t>Code</a:t>
             </a:r>
-            <a:endParaRPr lang="de-DE" sz="1600" b="1" dirty="0"/>
           </a:p>
         </p:txBody>
       </p:sp>
@@ -1999,38 +2040,37 @@
           <a:p>
             <a:pPr lvl="0"/>
             <a:r>
-              <a:rPr lang="de-DE" dirty="0" smtClean="0"/>
+              <a:rPr lang="de-DE" dirty="0"/>
               <a:t>Formatvorlagen des Textmasters bearbeiten</a:t>
             </a:r>
           </a:p>
           <a:p>
             <a:pPr lvl="1"/>
             <a:r>
-              <a:rPr lang="de-DE" dirty="0" smtClean="0"/>
+              <a:rPr lang="de-DE" dirty="0"/>
               <a:t>Zweite Ebene</a:t>
             </a:r>
           </a:p>
           <a:p>
             <a:pPr lvl="2"/>
             <a:r>
-              <a:rPr lang="de-DE" dirty="0" smtClean="0"/>
+              <a:rPr lang="de-DE" dirty="0"/>
               <a:t>Dritte Ebene</a:t>
             </a:r>
           </a:p>
           <a:p>
             <a:pPr lvl="3"/>
             <a:r>
-              <a:rPr lang="de-DE" dirty="0" smtClean="0"/>
+              <a:rPr lang="de-DE" dirty="0"/>
               <a:t>Vierte Ebene</a:t>
             </a:r>
           </a:p>
           <a:p>
             <a:pPr lvl="4"/>
             <a:r>
-              <a:rPr lang="de-DE" dirty="0" smtClean="0"/>
+              <a:rPr lang="de-DE" dirty="0"/>
               <a:t>Fünfte Ebene</a:t>
             </a:r>
-            <a:endParaRPr lang="de-DE" dirty="0"/>
           </a:p>
         </p:txBody>
       </p:sp>
@@ -2106,12 +2146,12 @@
           <a:p>
             <a:pPr algn="ctr"/>
             <a:r>
-              <a:rPr lang="de-DE" sz="1100" dirty="0" smtClean="0">
+              <a:rPr lang="de-DE" sz="1100" dirty="0">
                 <a:hlinkClick r:id="rId2"/>
               </a:rPr>
               <a:t>https://www.htw-dresden.de/kiss-mint</a:t>
             </a:r>
-            <a:endParaRPr lang="de-DE" sz="1100" dirty="0" smtClean="0"/>
+            <a:endParaRPr lang="de-DE" sz="1100" dirty="0"/>
           </a:p>
         </p:txBody>
       </p:sp>
@@ -2125,13 +2165,6 @@
   <p:clrMapOvr>
     <a:masterClrMapping/>
   </p:clrMapOvr>
-  <p:timing>
-    <p:tnLst>
-      <p:par>
-        <p:cTn id="1" dur="indefinite" restart="never" nodeType="tmRoot"/>
-      </p:par>
-    </p:tnLst>
-  </p:timing>
 </p:sldLayout>
 </file>
 
@@ -2179,10 +2212,9 @@
           </a:lstStyle>
           <a:p>
             <a:r>
-              <a:rPr lang="de-DE" dirty="0" smtClean="0"/>
+              <a:rPr lang="de-DE" dirty="0"/>
               <a:t>Titelmasterformat durch Klicken bearbeiten</a:t>
             </a:r>
-            <a:endParaRPr lang="de-DE" dirty="0"/>
           </a:p>
         </p:txBody>
       </p:sp>
@@ -2203,7 +2235,7 @@
           <a:p>
             <a:fld id="{FC9269F9-6F79-4414-A84E-D81C6C443C37}" type="datetimeFigureOut">
               <a:rPr lang="de-DE" smtClean="0"/>
-              <a:t>14.01.2019</a:t>
+              <a:t>06.12.2019</a:t>
             </a:fld>
             <a:endParaRPr lang="de-DE"/>
           </a:p>
@@ -2261,7 +2293,7 @@
           <a:p>
             <a:pPr lvl="0"/>
             <a:r>
-              <a:rPr lang="de-DE" b="1" dirty="0" smtClean="0"/>
+              <a:rPr lang="de-DE" b="1" dirty="0"/>
               <a:t>Rubrik</a:t>
             </a:r>
             <a:endParaRPr lang="de-DE" dirty="0"/>
@@ -2316,10 +2348,9 @@
           <a:p>
             <a:pPr lvl="0"/>
             <a:r>
-              <a:rPr lang="de-DE" dirty="0" smtClean="0"/>
+              <a:rPr lang="de-DE" dirty="0"/>
               <a:t>Formatvorlagen des Textmasters bearbeiten</a:t>
             </a:r>
-            <a:endParaRPr lang="de-DE" dirty="0"/>
           </a:p>
         </p:txBody>
       </p:sp>
@@ -2347,12 +2378,12 @@
           <a:p>
             <a:pPr algn="ctr"/>
             <a:r>
-              <a:rPr lang="de-DE" sz="1100" dirty="0" smtClean="0">
+              <a:rPr lang="de-DE" sz="1100" dirty="0">
                 <a:hlinkClick r:id="rId2"/>
               </a:rPr>
               <a:t>https://www.htw-dresden.de/kiss-mint</a:t>
             </a:r>
-            <a:endParaRPr lang="de-DE" sz="1100" dirty="0" smtClean="0"/>
+            <a:endParaRPr lang="de-DE" sz="1100" dirty="0"/>
           </a:p>
         </p:txBody>
       </p:sp>
@@ -2366,13 +2397,6 @@
   <p:clrMapOvr>
     <a:masterClrMapping/>
   </p:clrMapOvr>
-  <p:timing>
-    <p:tnLst>
-      <p:par>
-        <p:cTn id="1" dur="indefinite" restart="never" nodeType="tmRoot"/>
-      </p:par>
-    </p:tnLst>
-  </p:timing>
 </p:sldLayout>
 </file>
 
@@ -2660,34 +2684,34 @@
           <a:p>
             <a:pPr algn="ctr"/>
             <a:r>
-              <a:rPr lang="de-DE" b="1" dirty="0" smtClean="0"/>
+              <a:rPr lang="de-DE" b="1" dirty="0"/>
               <a:t>Veröffentlicht</a:t>
             </a:r>
             <a:r>
-              <a:rPr lang="de-DE" b="1" baseline="0" dirty="0" smtClean="0"/>
+              <a:rPr lang="de-DE" b="1" baseline="0" dirty="0"/>
               <a:t> unter CC BY SA</a:t>
             </a:r>
           </a:p>
           <a:p>
             <a:pPr algn="ctr"/>
-            <a:endParaRPr lang="de-DE" b="0" baseline="0" dirty="0" smtClean="0"/>
+            <a:endParaRPr lang="de-DE" b="0" baseline="0" dirty="0"/>
           </a:p>
           <a:p>
             <a:pPr algn="ctr"/>
             <a:r>
-              <a:rPr lang="de-DE" b="0" dirty="0" smtClean="0"/>
+              <a:rPr lang="de-DE" b="0" dirty="0"/>
               <a:t>Dieses Werk ist unter einer Creative </a:t>
             </a:r>
             <a:r>
-              <a:rPr lang="de-DE" b="0" dirty="0" err="1" smtClean="0"/>
+              <a:rPr lang="de-DE" b="0" dirty="0" err="1"/>
               <a:t>Commons</a:t>
             </a:r>
             <a:r>
-              <a:rPr lang="de-DE" b="0" dirty="0" smtClean="0"/>
+              <a:rPr lang="de-DE" b="0" dirty="0"/>
               <a:t> Lizenz vom Typ Namensnennung - Weitergabe unter gleichen Bedingungen 4.0 International zugänglich. Um eine Kopie dieser Lizenz einzusehen, konsultieren </a:t>
             </a:r>
             <a:r>
-              <a:rPr lang="de-DE" b="0" dirty="0" smtClean="0">
+              <a:rPr lang="de-DE" b="0" dirty="0">
                 <a:solidFill>
                   <a:schemeClr val="bg1"/>
                 </a:solidFill>
@@ -2695,18 +2719,17 @@
               <a:t>Sie http://creativecommons.org/licenses/by-sa/4.0/ oder </a:t>
             </a:r>
             <a:r>
-              <a:rPr lang="de-DE" b="0" dirty="0" smtClean="0"/>
+              <a:rPr lang="de-DE" b="0" dirty="0"/>
               <a:t>wenden Sie sich brieflich an Creative </a:t>
             </a:r>
             <a:r>
-              <a:rPr lang="de-DE" b="0" dirty="0" err="1" smtClean="0"/>
+              <a:rPr lang="de-DE" b="0" dirty="0" err="1"/>
               <a:t>Commons</a:t>
             </a:r>
             <a:r>
-              <a:rPr lang="de-DE" b="0" dirty="0" smtClean="0"/>
+              <a:rPr lang="de-DE" b="0" dirty="0"/>
               <a:t>, Postfach 1866, Mountain View, California, 94042, USA.</a:t>
             </a:r>
-            <a:endParaRPr lang="de-DE" b="0" dirty="0"/>
           </a:p>
         </p:txBody>
       </p:sp>
@@ -2865,38 +2888,37 @@
           <a:p>
             <a:pPr lvl="0"/>
             <a:r>
-              <a:rPr lang="de-DE" dirty="0" smtClean="0"/>
+              <a:rPr lang="de-DE" dirty="0"/>
               <a:t>Formatvorlagen des Textmasters bearbeiten</a:t>
             </a:r>
           </a:p>
           <a:p>
             <a:pPr lvl="1"/>
             <a:r>
-              <a:rPr lang="de-DE" dirty="0" smtClean="0"/>
+              <a:rPr lang="de-DE" dirty="0"/>
               <a:t>Zweite Ebene</a:t>
             </a:r>
           </a:p>
           <a:p>
             <a:pPr lvl="2"/>
             <a:r>
-              <a:rPr lang="de-DE" dirty="0" smtClean="0"/>
+              <a:rPr lang="de-DE" dirty="0"/>
               <a:t>Dritte Ebene</a:t>
             </a:r>
           </a:p>
           <a:p>
             <a:pPr lvl="3"/>
             <a:r>
-              <a:rPr lang="de-DE" dirty="0" smtClean="0"/>
+              <a:rPr lang="de-DE" dirty="0"/>
               <a:t>Vierte Ebene</a:t>
             </a:r>
           </a:p>
           <a:p>
             <a:pPr lvl="4"/>
             <a:r>
-              <a:rPr lang="de-DE" dirty="0" smtClean="0"/>
+              <a:rPr lang="de-DE" dirty="0"/>
               <a:t>Fünfte Ebene</a:t>
             </a:r>
-            <a:endParaRPr lang="de-DE" dirty="0"/>
           </a:p>
         </p:txBody>
       </p:sp>
@@ -2929,6 +2951,42 @@
           </a:prstGeom>
         </p:spPr>
       </p:pic>
+      <p:pic>
+        <p:nvPicPr>
+          <p:cNvPr id="15" name="Grafik 14">
+            <a:extLst>
+              <a:ext uri="{FF2B5EF4-FFF2-40B4-BE49-F238E27FC236}">
+                <a16:creationId xmlns:a16="http://schemas.microsoft.com/office/drawing/2014/main" id="{8E963BBC-840C-4CC8-98BD-5F7CAAA6CC52}"/>
+              </a:ext>
+            </a:extLst>
+          </p:cNvPr>
+          <p:cNvPicPr>
+            <a:picLocks noChangeAspect="1"/>
+          </p:cNvPicPr>
+          <p:nvPr userDrawn="1"/>
+        </p:nvPicPr>
+        <p:blipFill>
+          <a:blip r:embed="rId7" cstate="print">
+            <a:extLst>
+              <a:ext uri="{28A0092B-C50C-407E-A947-70E740481C1C}">
+                <a14:useLocalDpi xmlns:a14="http://schemas.microsoft.com/office/drawing/2010/main" val="0"/>
+              </a:ext>
+            </a:extLst>
+          </a:blip>
+          <a:stretch>
+            <a:fillRect/>
+          </a:stretch>
+        </p:blipFill>
+        <p:spPr>
+          <a:xfrm>
+            <a:off x="2074069" y="9099550"/>
+            <a:ext cx="381000" cy="571500"/>
+          </a:xfrm>
+          <a:prstGeom prst="rect">
+            <a:avLst/>
+          </a:prstGeom>
+        </p:spPr>
+      </p:pic>
     </p:spTree>
     <p:extLst>
       <p:ext uri="{BB962C8B-B14F-4D97-AF65-F5344CB8AC3E}">
@@ -2939,13 +2997,6 @@
   <p:clrMapOvr>
     <a:masterClrMapping/>
   </p:clrMapOvr>
-  <p:timing>
-    <p:tnLst>
-      <p:par>
-        <p:cTn id="1" dur="indefinite" restart="never" nodeType="tmRoot"/>
-      </p:par>
-    </p:tnLst>
-  </p:timing>
 </p:sldLayout>
 </file>
 
@@ -2993,10 +3044,9 @@
           </a:lstStyle>
           <a:p>
             <a:r>
-              <a:rPr lang="de-DE" dirty="0" smtClean="0"/>
+              <a:rPr lang="de-DE" dirty="0"/>
               <a:t>Titelmasterformat durch Klicken bearbeiten</a:t>
             </a:r>
-            <a:endParaRPr lang="de-DE" dirty="0"/>
           </a:p>
         </p:txBody>
       </p:sp>
@@ -3017,7 +3067,7 @@
           <a:p>
             <a:fld id="{FC9269F9-6F79-4414-A84E-D81C6C443C37}" type="datetimeFigureOut">
               <a:rPr lang="de-DE" smtClean="0"/>
-              <a:t>14.01.2019</a:t>
+              <a:t>06.12.2019</a:t>
             </a:fld>
             <a:endParaRPr lang="de-DE"/>
           </a:p>
@@ -3094,7 +3144,7 @@
           <a:p>
             <a:pPr lvl="0"/>
             <a:r>
-              <a:rPr lang="de-DE" b="1" dirty="0" smtClean="0"/>
+              <a:rPr lang="de-DE" b="1" dirty="0"/>
               <a:t>Rubrik</a:t>
             </a:r>
             <a:endParaRPr lang="de-DE" dirty="0"/>
@@ -3153,10 +3203,9 @@
           <a:p>
             <a:pPr lvl="0"/>
             <a:r>
-              <a:rPr lang="de-DE" dirty="0" smtClean="0"/>
+              <a:rPr lang="de-DE" dirty="0"/>
               <a:t>Formatvorlagen des Textmasters bearbeiten</a:t>
             </a:r>
-            <a:endParaRPr lang="de-DE" dirty="0"/>
           </a:p>
         </p:txBody>
       </p:sp>
@@ -3188,10 +3237,9 @@
           <a:p>
             <a:pPr lvl="0"/>
             <a:r>
-              <a:rPr lang="de-DE" dirty="0" smtClean="0"/>
+              <a:rPr lang="de-DE" dirty="0"/>
               <a:t>Legende</a:t>
             </a:r>
-            <a:endParaRPr lang="de-DE" dirty="0"/>
           </a:p>
         </p:txBody>
       </p:sp>
@@ -3205,13 +3253,6 @@
   <p:clrMapOvr>
     <a:masterClrMapping/>
   </p:clrMapOvr>
-  <p:timing>
-    <p:tnLst>
-      <p:par>
-        <p:cTn id="1" dur="indefinite" restart="never" nodeType="tmRoot"/>
-      </p:par>
-    </p:tnLst>
-  </p:timing>
 </p:sldLayout>
 </file>
 
@@ -3249,7 +3290,7 @@
           <a:p>
             <a:fld id="{FC9269F9-6F79-4414-A84E-D81C6C443C37}" type="datetimeFigureOut">
               <a:rPr lang="de-DE" smtClean="0"/>
-              <a:t>14.01.2019</a:t>
+              <a:t>06.12.2019</a:t>
             </a:fld>
             <a:endParaRPr lang="de-DE"/>
           </a:p>
@@ -3307,13 +3348,6 @@
   <p:clrMapOvr>
     <a:masterClrMapping/>
   </p:clrMapOvr>
-  <p:timing>
-    <p:tnLst>
-      <p:par>
-        <p:cTn id="1" dur="indefinite" restart="never" nodeType="tmRoot"/>
-      </p:par>
-    </p:tnLst>
-  </p:timing>
 </p:sldLayout>
 </file>
 
@@ -3365,7 +3399,7 @@
           <a:lstStyle/>
           <a:p>
             <a:r>
-              <a:rPr lang="de-DE" smtClean="0"/>
+              <a:rPr lang="de-DE"/>
               <a:t>Titelmasterformat durch Klicken bearbeiten</a:t>
             </a:r>
             <a:endParaRPr lang="en-US" dirty="0"/>
@@ -3399,35 +3433,35 @@
           <a:p>
             <a:pPr lvl="0"/>
             <a:r>
-              <a:rPr lang="de-DE" smtClean="0"/>
+              <a:rPr lang="de-DE"/>
               <a:t>Formatvorlagen des Textmasters bearbeiten</a:t>
             </a:r>
           </a:p>
           <a:p>
             <a:pPr lvl="1"/>
             <a:r>
-              <a:rPr lang="de-DE" smtClean="0"/>
+              <a:rPr lang="de-DE"/>
               <a:t>Zweite Ebene</a:t>
             </a:r>
           </a:p>
           <a:p>
             <a:pPr lvl="2"/>
             <a:r>
-              <a:rPr lang="de-DE" smtClean="0"/>
+              <a:rPr lang="de-DE"/>
               <a:t>Dritte Ebene</a:t>
             </a:r>
           </a:p>
           <a:p>
             <a:pPr lvl="3"/>
             <a:r>
-              <a:rPr lang="de-DE" smtClean="0"/>
+              <a:rPr lang="de-DE"/>
               <a:t>Vierte Ebene</a:t>
             </a:r>
           </a:p>
           <a:p>
             <a:pPr lvl="4"/>
             <a:r>
-              <a:rPr lang="de-DE" smtClean="0"/>
+              <a:rPr lang="de-DE"/>
               <a:t>Fünfte Ebene</a:t>
             </a:r>
             <a:endParaRPr lang="en-US" dirty="0"/>
@@ -3469,7 +3503,7 @@
           <a:p>
             <a:fld id="{FC9269F9-6F79-4414-A84E-D81C6C443C37}" type="datetimeFigureOut">
               <a:rPr lang="de-DE" smtClean="0"/>
-              <a:t>14.01.2019</a:t>
+              <a:t>06.12.2019</a:t>
             </a:fld>
             <a:endParaRPr lang="de-DE"/>
           </a:p>
@@ -3572,13 +3606,6 @@
     <p:sldLayoutId id="2147483674" r:id="rId7"/>
     <p:sldLayoutId id="2147483676" r:id="rId8"/>
   </p:sldLayoutIdLst>
-  <p:timing>
-    <p:tnLst>
-      <p:par>
-        <p:cTn id="1" dur="indefinite" restart="never" nodeType="tmRoot"/>
-      </p:par>
-    </p:tnLst>
-  </p:timing>
   <p:txStyles>
     <p:titleStyle>
       <a:lvl1pPr algn="l" defTabSz="685800" rtl="0" eaLnBrk="1" latinLnBrk="0" hangingPunct="1">
@@ -3895,14 +3922,9 @@
           <a:lstStyle/>
           <a:p>
             <a:r>
-              <a:rPr lang="de-DE" dirty="0" smtClean="0"/>
-              <a:t>Hi </a:t>
-            </a:r>
-            <a:r>
-              <a:rPr lang="de-DE" dirty="0" smtClean="0"/>
-              <a:t>World!</a:t>
-            </a:r>
-            <a:endParaRPr lang="de-DE" dirty="0"/>
+              <a:rPr lang="de-DE" dirty="0"/>
+              <a:t>Hi World!</a:t>
+            </a:r>
           </a:p>
         </p:txBody>
       </p:sp>
@@ -4021,13 +4043,6 @@
   <p:clrMapOvr>
     <a:masterClrMapping/>
   </p:clrMapOvr>
-  <p:timing>
-    <p:tnLst>
-      <p:par>
-        <p:cTn id="1" dur="indefinite" restart="never" nodeType="tmRoot"/>
-      </p:par>
-    </p:tnLst>
-  </p:timing>
 </p:sld>
 </file>
 

--- a/Hi_World/Hi_World.pptx
+++ b/Hi_World/Hi_World.pptx
@@ -201,7 +201,7 @@
           <a:p>
             <a:fld id="{DD7A25D8-F173-4133-85F8-CB962D678EB5}" type="datetimeFigureOut">
               <a:rPr lang="de-DE" smtClean="0"/>
-              <a:t>06.12.2019</a:t>
+              <a:t>09.12.2019</a:t>
             </a:fld>
             <a:endParaRPr lang="de-DE"/>
           </a:p>
@@ -599,7 +599,7 @@
           <a:p>
             <a:fld id="{FC9269F9-6F79-4414-A84E-D81C6C443C37}" type="datetimeFigureOut">
               <a:rPr lang="de-DE" smtClean="0"/>
-              <a:t>06.12.2019</a:t>
+              <a:t>09.12.2019</a:t>
             </a:fld>
             <a:endParaRPr lang="de-DE"/>
           </a:p>
@@ -1181,7 +1181,13 @@
       </p:sp>
       <p:pic>
         <p:nvPicPr>
-          <p:cNvPr id="23" name="Grafik 22"/>
+          <p:cNvPr id="28" name="Grafik 27">
+            <a:extLst>
+              <a:ext uri="{FF2B5EF4-FFF2-40B4-BE49-F238E27FC236}">
+                <a16:creationId xmlns:a16="http://schemas.microsoft.com/office/drawing/2014/main" id="{69060DCF-CE3C-4AB2-8AC1-7D13D7A936DD}"/>
+              </a:ext>
+            </a:extLst>
+          </p:cNvPr>
           <p:cNvPicPr>
             <a:picLocks noChangeAspect="1"/>
           </p:cNvPicPr>
@@ -1211,7 +1217,13 @@
       </p:pic>
       <p:pic>
         <p:nvPicPr>
-          <p:cNvPr id="25" name="Grafik 24"/>
+          <p:cNvPr id="29" name="Grafik 28">
+            <a:extLst>
+              <a:ext uri="{FF2B5EF4-FFF2-40B4-BE49-F238E27FC236}">
+                <a16:creationId xmlns:a16="http://schemas.microsoft.com/office/drawing/2014/main" id="{D616A40C-F365-4478-8E17-671F7AE13FF9}"/>
+              </a:ext>
+            </a:extLst>
+          </p:cNvPr>
           <p:cNvPicPr>
             <a:picLocks noChangeAspect="1"/>
           </p:cNvPicPr>
@@ -1240,10 +1252,10 @@
       </p:pic>
       <p:pic>
         <p:nvPicPr>
-          <p:cNvPr id="27" name="Grafik 26">
+          <p:cNvPr id="30" name="Grafik 29">
             <a:extLst>
               <a:ext uri="{FF2B5EF4-FFF2-40B4-BE49-F238E27FC236}">
-                <a16:creationId xmlns:a16="http://schemas.microsoft.com/office/drawing/2014/main" id="{21A9FE5C-35F7-4890-94C5-ACA981C579A5}"/>
+                <a16:creationId xmlns:a16="http://schemas.microsoft.com/office/drawing/2014/main" id="{7671F78D-B583-4592-B57F-8AEEE8DFE04A}"/>
               </a:ext>
             </a:extLst>
           </p:cNvPr>
@@ -1268,6 +1280,42 @@
           <a:xfrm>
             <a:off x="2074069" y="9099550"/>
             <a:ext cx="381000" cy="571500"/>
+          </a:xfrm>
+          <a:prstGeom prst="rect">
+            <a:avLst/>
+          </a:prstGeom>
+        </p:spPr>
+      </p:pic>
+      <p:pic>
+        <p:nvPicPr>
+          <p:cNvPr id="31" name="Grafik 30">
+            <a:extLst>
+              <a:ext uri="{FF2B5EF4-FFF2-40B4-BE49-F238E27FC236}">
+                <a16:creationId xmlns:a16="http://schemas.microsoft.com/office/drawing/2014/main" id="{F91B95BE-20B0-4B20-98A5-7635C3975782}"/>
+              </a:ext>
+            </a:extLst>
+          </p:cNvPr>
+          <p:cNvPicPr>
+            <a:picLocks noChangeAspect="1"/>
+          </p:cNvPicPr>
+          <p:nvPr userDrawn="1"/>
+        </p:nvPicPr>
+        <p:blipFill>
+          <a:blip r:embed="rId5" cstate="print">
+            <a:extLst>
+              <a:ext uri="{28A0092B-C50C-407E-A947-70E740481C1C}">
+                <a14:useLocalDpi xmlns:a14="http://schemas.microsoft.com/office/drawing/2010/main" val="0"/>
+              </a:ext>
+            </a:extLst>
+          </a:blip>
+          <a:stretch>
+            <a:fillRect/>
+          </a:stretch>
+        </p:blipFill>
+        <p:spPr>
+          <a:xfrm>
+            <a:off x="3590172" y="8960427"/>
+            <a:ext cx="911392" cy="911392"/>
           </a:xfrm>
           <a:prstGeom prst="rect">
             <a:avLst/>
@@ -1619,7 +1667,13 @@
       </p:sp>
       <p:pic>
         <p:nvPicPr>
-          <p:cNvPr id="15" name="Grafik 14"/>
+          <p:cNvPr id="21" name="Grafik 20">
+            <a:extLst>
+              <a:ext uri="{FF2B5EF4-FFF2-40B4-BE49-F238E27FC236}">
+                <a16:creationId xmlns:a16="http://schemas.microsoft.com/office/drawing/2014/main" id="{CAB9958F-D6C5-4CDF-9E87-919086D1FCE8}"/>
+              </a:ext>
+            </a:extLst>
+          </p:cNvPr>
           <p:cNvPicPr>
             <a:picLocks noChangeAspect="1"/>
           </p:cNvPicPr>
@@ -1649,7 +1703,13 @@
       </p:pic>
       <p:pic>
         <p:nvPicPr>
-          <p:cNvPr id="18" name="Grafik 17"/>
+          <p:cNvPr id="22" name="Grafik 21">
+            <a:extLst>
+              <a:ext uri="{FF2B5EF4-FFF2-40B4-BE49-F238E27FC236}">
+                <a16:creationId xmlns:a16="http://schemas.microsoft.com/office/drawing/2014/main" id="{9B422A0F-69D0-4992-B890-878060BB582F}"/>
+              </a:ext>
+            </a:extLst>
+          </p:cNvPr>
           <p:cNvPicPr>
             <a:picLocks noChangeAspect="1"/>
           </p:cNvPicPr>
@@ -1678,10 +1738,10 @@
       </p:pic>
       <p:pic>
         <p:nvPicPr>
-          <p:cNvPr id="20" name="Grafik 19">
+          <p:cNvPr id="23" name="Grafik 22">
             <a:extLst>
               <a:ext uri="{FF2B5EF4-FFF2-40B4-BE49-F238E27FC236}">
-                <a16:creationId xmlns:a16="http://schemas.microsoft.com/office/drawing/2014/main" id="{2243AAFD-F711-4EAF-A7FA-8960FE063C2C}"/>
+                <a16:creationId xmlns:a16="http://schemas.microsoft.com/office/drawing/2014/main" id="{1D709662-F23C-4853-A039-CA9B79015A66}"/>
               </a:ext>
             </a:extLst>
           </p:cNvPr>
@@ -1706,6 +1766,42 @@
           <a:xfrm>
             <a:off x="2074069" y="9099550"/>
             <a:ext cx="381000" cy="571500"/>
+          </a:xfrm>
+          <a:prstGeom prst="rect">
+            <a:avLst/>
+          </a:prstGeom>
+        </p:spPr>
+      </p:pic>
+      <p:pic>
+        <p:nvPicPr>
+          <p:cNvPr id="24" name="Grafik 23">
+            <a:extLst>
+              <a:ext uri="{FF2B5EF4-FFF2-40B4-BE49-F238E27FC236}">
+                <a16:creationId xmlns:a16="http://schemas.microsoft.com/office/drawing/2014/main" id="{B52C7955-AB6F-40E9-9E63-F565704BFAC5}"/>
+              </a:ext>
+            </a:extLst>
+          </p:cNvPr>
+          <p:cNvPicPr>
+            <a:picLocks noChangeAspect="1"/>
+          </p:cNvPicPr>
+          <p:nvPr userDrawn="1"/>
+        </p:nvPicPr>
+        <p:blipFill>
+          <a:blip r:embed="rId5" cstate="print">
+            <a:extLst>
+              <a:ext uri="{28A0092B-C50C-407E-A947-70E740481C1C}">
+                <a14:useLocalDpi xmlns:a14="http://schemas.microsoft.com/office/drawing/2010/main" val="0"/>
+              </a:ext>
+            </a:extLst>
+          </a:blip>
+          <a:stretch>
+            <a:fillRect/>
+          </a:stretch>
+        </p:blipFill>
+        <p:spPr>
+          <a:xfrm>
+            <a:off x="3590172" y="8960427"/>
+            <a:ext cx="911392" cy="911392"/>
           </a:xfrm>
           <a:prstGeom prst="rect">
             <a:avLst/>
@@ -1794,7 +1890,7 @@
           <a:p>
             <a:fld id="{FC9269F9-6F79-4414-A84E-D81C6C443C37}" type="datetimeFigureOut">
               <a:rPr lang="de-DE" smtClean="0"/>
-              <a:t>06.12.2019</a:t>
+              <a:t>09.12.2019</a:t>
             </a:fld>
             <a:endParaRPr lang="de-DE"/>
           </a:p>
@@ -2122,39 +2218,149 @@
           </a:p>
         </p:txBody>
       </p:sp>
-      <p:sp>
-        <p:nvSpPr>
-          <p:cNvPr id="15" name="Textfeld 14"/>
-          <p:cNvSpPr txBox="1"/>
-          <p:nvPr userDrawn="1"/>
-        </p:nvSpPr>
-        <p:spPr>
-          <a:xfrm>
-            <a:off x="2033534" y="9314293"/>
-            <a:ext cx="2449033" cy="261610"/>
-          </a:xfrm>
-          <a:prstGeom prst="rect">
-            <a:avLst/>
-          </a:prstGeom>
-          <a:noFill/>
-        </p:spPr>
-        <p:txBody>
-          <a:bodyPr wrap="square" rtlCol="0">
-            <a:spAutoFit/>
-          </a:bodyPr>
-          <a:lstStyle/>
-          <a:p>
-            <a:pPr algn="ctr"/>
-            <a:r>
-              <a:rPr lang="de-DE" sz="1100" dirty="0">
-                <a:hlinkClick r:id="rId2"/>
-              </a:rPr>
-              <a:t>https://www.htw-dresden.de/kiss-mint</a:t>
-            </a:r>
-            <a:endParaRPr lang="de-DE" sz="1100" dirty="0"/>
-          </a:p>
-        </p:txBody>
-      </p:sp>
+      <p:pic>
+        <p:nvPicPr>
+          <p:cNvPr id="17" name="Grafik 16">
+            <a:extLst>
+              <a:ext uri="{FF2B5EF4-FFF2-40B4-BE49-F238E27FC236}">
+                <a16:creationId xmlns:a16="http://schemas.microsoft.com/office/drawing/2014/main" id="{4D77A2C5-AE00-4161-BEEE-3E8157E27660}"/>
+              </a:ext>
+            </a:extLst>
+          </p:cNvPr>
+          <p:cNvPicPr>
+            <a:picLocks noChangeAspect="1"/>
+          </p:cNvPicPr>
+          <p:nvPr userDrawn="1"/>
+        </p:nvPicPr>
+        <p:blipFill>
+          <a:blip r:embed="rId2" cstate="print">
+            <a:extLst>
+              <a:ext uri="{28A0092B-C50C-407E-A947-70E740481C1C}">
+                <a14:useLocalDpi xmlns:a14="http://schemas.microsoft.com/office/drawing/2010/main" val="0"/>
+              </a:ext>
+            </a:extLst>
+          </a:blip>
+          <a:stretch>
+            <a:fillRect/>
+          </a:stretch>
+        </p:blipFill>
+        <p:spPr>
+          <a:xfrm>
+            <a:off x="4501564" y="9267750"/>
+            <a:ext cx="1884949" cy="324000"/>
+          </a:xfrm>
+          <a:prstGeom prst="rect">
+            <a:avLst/>
+          </a:prstGeom>
+        </p:spPr>
+      </p:pic>
+      <p:pic>
+        <p:nvPicPr>
+          <p:cNvPr id="19" name="Grafik 18">
+            <a:extLst>
+              <a:ext uri="{FF2B5EF4-FFF2-40B4-BE49-F238E27FC236}">
+                <a16:creationId xmlns:a16="http://schemas.microsoft.com/office/drawing/2014/main" id="{FC62ACFA-9673-40C0-A697-0F6FFD365238}"/>
+              </a:ext>
+            </a:extLst>
+          </p:cNvPr>
+          <p:cNvPicPr>
+            <a:picLocks noChangeAspect="1"/>
+          </p:cNvPicPr>
+          <p:nvPr userDrawn="1"/>
+        </p:nvPicPr>
+        <p:blipFill rotWithShape="1">
+          <a:blip r:embed="rId3" cstate="print">
+            <a:extLst>
+              <a:ext uri="{28A0092B-C50C-407E-A947-70E740481C1C}">
+                <a14:useLocalDpi xmlns:a14="http://schemas.microsoft.com/office/drawing/2010/main" val="0"/>
+              </a:ext>
+            </a:extLst>
+          </a:blip>
+          <a:srcRect t="15984" b="15885"/>
+          <a:stretch/>
+        </p:blipFill>
+        <p:spPr>
+          <a:xfrm>
+            <a:off x="471488" y="9224307"/>
+            <a:ext cx="1604044" cy="453441"/>
+          </a:xfrm>
+          <a:prstGeom prst="rect">
+            <a:avLst/>
+          </a:prstGeom>
+        </p:spPr>
+      </p:pic>
+      <p:pic>
+        <p:nvPicPr>
+          <p:cNvPr id="21" name="Grafik 20">
+            <a:extLst>
+              <a:ext uri="{FF2B5EF4-FFF2-40B4-BE49-F238E27FC236}">
+                <a16:creationId xmlns:a16="http://schemas.microsoft.com/office/drawing/2014/main" id="{319FD13C-27A5-42C6-A985-B1B5403B5A46}"/>
+              </a:ext>
+            </a:extLst>
+          </p:cNvPr>
+          <p:cNvPicPr>
+            <a:picLocks noChangeAspect="1"/>
+          </p:cNvPicPr>
+          <p:nvPr userDrawn="1"/>
+        </p:nvPicPr>
+        <p:blipFill>
+          <a:blip r:embed="rId4" cstate="print">
+            <a:extLst>
+              <a:ext uri="{28A0092B-C50C-407E-A947-70E740481C1C}">
+                <a14:useLocalDpi xmlns:a14="http://schemas.microsoft.com/office/drawing/2010/main" val="0"/>
+              </a:ext>
+            </a:extLst>
+          </a:blip>
+          <a:stretch>
+            <a:fillRect/>
+          </a:stretch>
+        </p:blipFill>
+        <p:spPr>
+          <a:xfrm>
+            <a:off x="2074069" y="9099550"/>
+            <a:ext cx="381000" cy="571500"/>
+          </a:xfrm>
+          <a:prstGeom prst="rect">
+            <a:avLst/>
+          </a:prstGeom>
+        </p:spPr>
+      </p:pic>
+      <p:pic>
+        <p:nvPicPr>
+          <p:cNvPr id="22" name="Grafik 21">
+            <a:extLst>
+              <a:ext uri="{FF2B5EF4-FFF2-40B4-BE49-F238E27FC236}">
+                <a16:creationId xmlns:a16="http://schemas.microsoft.com/office/drawing/2014/main" id="{225BB7E1-E7E4-4830-AC2E-F9B120BEE5E0}"/>
+              </a:ext>
+            </a:extLst>
+          </p:cNvPr>
+          <p:cNvPicPr>
+            <a:picLocks noChangeAspect="1"/>
+          </p:cNvPicPr>
+          <p:nvPr userDrawn="1"/>
+        </p:nvPicPr>
+        <p:blipFill>
+          <a:blip r:embed="rId5" cstate="print">
+            <a:extLst>
+              <a:ext uri="{28A0092B-C50C-407E-A947-70E740481C1C}">
+                <a14:useLocalDpi xmlns:a14="http://schemas.microsoft.com/office/drawing/2010/main" val="0"/>
+              </a:ext>
+            </a:extLst>
+          </a:blip>
+          <a:stretch>
+            <a:fillRect/>
+          </a:stretch>
+        </p:blipFill>
+        <p:spPr>
+          <a:xfrm>
+            <a:off x="3590172" y="8960427"/>
+            <a:ext cx="911392" cy="911392"/>
+          </a:xfrm>
+          <a:prstGeom prst="rect">
+            <a:avLst/>
+          </a:prstGeom>
+        </p:spPr>
+      </p:pic>
     </p:spTree>
     <p:extLst>
       <p:ext uri="{BB962C8B-B14F-4D97-AF65-F5344CB8AC3E}">
@@ -2235,7 +2441,7 @@
           <a:p>
             <a:fld id="{FC9269F9-6F79-4414-A84E-D81C6C443C37}" type="datetimeFigureOut">
               <a:rPr lang="de-DE" smtClean="0"/>
-              <a:t>06.12.2019</a:t>
+              <a:t>09.12.2019</a:t>
             </a:fld>
             <a:endParaRPr lang="de-DE"/>
           </a:p>
@@ -2354,39 +2560,149 @@
           </a:p>
         </p:txBody>
       </p:sp>
-      <p:sp>
-        <p:nvSpPr>
-          <p:cNvPr id="9" name="Textfeld 8"/>
-          <p:cNvSpPr txBox="1"/>
-          <p:nvPr userDrawn="1"/>
-        </p:nvSpPr>
-        <p:spPr>
-          <a:xfrm>
-            <a:off x="2033534" y="9314293"/>
-            <a:ext cx="2449033" cy="261610"/>
-          </a:xfrm>
-          <a:prstGeom prst="rect">
-            <a:avLst/>
-          </a:prstGeom>
-          <a:noFill/>
-        </p:spPr>
-        <p:txBody>
-          <a:bodyPr wrap="square" rtlCol="0">
-            <a:spAutoFit/>
-          </a:bodyPr>
-          <a:lstStyle/>
-          <a:p>
-            <a:pPr algn="ctr"/>
-            <a:r>
-              <a:rPr lang="de-DE" sz="1100" dirty="0">
-                <a:hlinkClick r:id="rId2"/>
-              </a:rPr>
-              <a:t>https://www.htw-dresden.de/kiss-mint</a:t>
-            </a:r>
-            <a:endParaRPr lang="de-DE" sz="1100" dirty="0"/>
-          </a:p>
-        </p:txBody>
-      </p:sp>
+      <p:pic>
+        <p:nvPicPr>
+          <p:cNvPr id="11" name="Grafik 10">
+            <a:extLst>
+              <a:ext uri="{FF2B5EF4-FFF2-40B4-BE49-F238E27FC236}">
+                <a16:creationId xmlns:a16="http://schemas.microsoft.com/office/drawing/2014/main" id="{5A4EAD72-5300-4E84-8AEB-99ABB6257553}"/>
+              </a:ext>
+            </a:extLst>
+          </p:cNvPr>
+          <p:cNvPicPr>
+            <a:picLocks noChangeAspect="1"/>
+          </p:cNvPicPr>
+          <p:nvPr userDrawn="1"/>
+        </p:nvPicPr>
+        <p:blipFill>
+          <a:blip r:embed="rId2" cstate="print">
+            <a:extLst>
+              <a:ext uri="{28A0092B-C50C-407E-A947-70E740481C1C}">
+                <a14:useLocalDpi xmlns:a14="http://schemas.microsoft.com/office/drawing/2010/main" val="0"/>
+              </a:ext>
+            </a:extLst>
+          </a:blip>
+          <a:stretch>
+            <a:fillRect/>
+          </a:stretch>
+        </p:blipFill>
+        <p:spPr>
+          <a:xfrm>
+            <a:off x="4501564" y="9267750"/>
+            <a:ext cx="1884949" cy="324000"/>
+          </a:xfrm>
+          <a:prstGeom prst="rect">
+            <a:avLst/>
+          </a:prstGeom>
+        </p:spPr>
+      </p:pic>
+      <p:pic>
+        <p:nvPicPr>
+          <p:cNvPr id="12" name="Grafik 11">
+            <a:extLst>
+              <a:ext uri="{FF2B5EF4-FFF2-40B4-BE49-F238E27FC236}">
+                <a16:creationId xmlns:a16="http://schemas.microsoft.com/office/drawing/2014/main" id="{462C0ADB-9A3B-4F48-9261-0B056CD113AD}"/>
+              </a:ext>
+            </a:extLst>
+          </p:cNvPr>
+          <p:cNvPicPr>
+            <a:picLocks noChangeAspect="1"/>
+          </p:cNvPicPr>
+          <p:nvPr userDrawn="1"/>
+        </p:nvPicPr>
+        <p:blipFill rotWithShape="1">
+          <a:blip r:embed="rId3" cstate="print">
+            <a:extLst>
+              <a:ext uri="{28A0092B-C50C-407E-A947-70E740481C1C}">
+                <a14:useLocalDpi xmlns:a14="http://schemas.microsoft.com/office/drawing/2010/main" val="0"/>
+              </a:ext>
+            </a:extLst>
+          </a:blip>
+          <a:srcRect t="15984" b="15885"/>
+          <a:stretch/>
+        </p:blipFill>
+        <p:spPr>
+          <a:xfrm>
+            <a:off x="471488" y="9224307"/>
+            <a:ext cx="1604044" cy="453441"/>
+          </a:xfrm>
+          <a:prstGeom prst="rect">
+            <a:avLst/>
+          </a:prstGeom>
+        </p:spPr>
+      </p:pic>
+      <p:pic>
+        <p:nvPicPr>
+          <p:cNvPr id="13" name="Grafik 12">
+            <a:extLst>
+              <a:ext uri="{FF2B5EF4-FFF2-40B4-BE49-F238E27FC236}">
+                <a16:creationId xmlns:a16="http://schemas.microsoft.com/office/drawing/2014/main" id="{6FF056F1-2727-4029-A85F-DFA1FB596DF3}"/>
+              </a:ext>
+            </a:extLst>
+          </p:cNvPr>
+          <p:cNvPicPr>
+            <a:picLocks noChangeAspect="1"/>
+          </p:cNvPicPr>
+          <p:nvPr userDrawn="1"/>
+        </p:nvPicPr>
+        <p:blipFill>
+          <a:blip r:embed="rId4" cstate="print">
+            <a:extLst>
+              <a:ext uri="{28A0092B-C50C-407E-A947-70E740481C1C}">
+                <a14:useLocalDpi xmlns:a14="http://schemas.microsoft.com/office/drawing/2010/main" val="0"/>
+              </a:ext>
+            </a:extLst>
+          </a:blip>
+          <a:stretch>
+            <a:fillRect/>
+          </a:stretch>
+        </p:blipFill>
+        <p:spPr>
+          <a:xfrm>
+            <a:off x="2074069" y="9099550"/>
+            <a:ext cx="381000" cy="571500"/>
+          </a:xfrm>
+          <a:prstGeom prst="rect">
+            <a:avLst/>
+          </a:prstGeom>
+        </p:spPr>
+      </p:pic>
+      <p:pic>
+        <p:nvPicPr>
+          <p:cNvPr id="14" name="Grafik 13">
+            <a:extLst>
+              <a:ext uri="{FF2B5EF4-FFF2-40B4-BE49-F238E27FC236}">
+                <a16:creationId xmlns:a16="http://schemas.microsoft.com/office/drawing/2014/main" id="{0BF634CF-307A-4FDD-9F61-8FBE2C05CE12}"/>
+              </a:ext>
+            </a:extLst>
+          </p:cNvPr>
+          <p:cNvPicPr>
+            <a:picLocks noChangeAspect="1"/>
+          </p:cNvPicPr>
+          <p:nvPr userDrawn="1"/>
+        </p:nvPicPr>
+        <p:blipFill>
+          <a:blip r:embed="rId5" cstate="print">
+            <a:extLst>
+              <a:ext uri="{28A0092B-C50C-407E-A947-70E740481C1C}">
+                <a14:useLocalDpi xmlns:a14="http://schemas.microsoft.com/office/drawing/2010/main" val="0"/>
+              </a:ext>
+            </a:extLst>
+          </a:blip>
+          <a:stretch>
+            <a:fillRect/>
+          </a:stretch>
+        </p:blipFill>
+        <p:spPr>
+          <a:xfrm>
+            <a:off x="3590172" y="8960427"/>
+            <a:ext cx="911392" cy="911392"/>
+          </a:xfrm>
+          <a:prstGeom prst="rect">
+            <a:avLst/>
+          </a:prstGeom>
+        </p:spPr>
+      </p:pic>
     </p:spTree>
     <p:extLst>
       <p:ext uri="{BB962C8B-B14F-4D97-AF65-F5344CB8AC3E}">
@@ -2613,36 +2929,6 @@
           </a:fontRef>
         </p:style>
       </p:cxnSp>
-      <p:pic>
-        <p:nvPicPr>
-          <p:cNvPr id="18" name="Grafik 17"/>
-          <p:cNvPicPr>
-            <a:picLocks noChangeAspect="1"/>
-          </p:cNvPicPr>
-          <p:nvPr userDrawn="1"/>
-        </p:nvPicPr>
-        <p:blipFill>
-          <a:blip r:embed="rId2" cstate="print">
-            <a:extLst>
-              <a:ext uri="{28A0092B-C50C-407E-A947-70E740481C1C}">
-                <a14:useLocalDpi xmlns:a14="http://schemas.microsoft.com/office/drawing/2010/main" val="0"/>
-              </a:ext>
-            </a:extLst>
-          </a:blip>
-          <a:stretch>
-            <a:fillRect/>
-          </a:stretch>
-        </p:blipFill>
-        <p:spPr>
-          <a:xfrm>
-            <a:off x="4501564" y="9267750"/>
-            <a:ext cx="1884949" cy="324000"/>
-          </a:xfrm>
-          <a:prstGeom prst="rect">
-            <a:avLst/>
-          </a:prstGeom>
-        </p:spPr>
-      </p:pic>
       <p:sp>
         <p:nvSpPr>
           <p:cNvPr id="3" name="Rechteck 2"/>
@@ -2742,7 +3028,7 @@
           <p:nvPr userDrawn="1"/>
         </p:nvPicPr>
         <p:blipFill>
-          <a:blip r:embed="rId3">
+          <a:blip r:embed="rId2">
             <a:extLst>
               <a:ext uri="{28A0092B-C50C-407E-A947-70E740481C1C}">
                 <a14:useLocalDpi xmlns:a14="http://schemas.microsoft.com/office/drawing/2010/main" val="0"/>
@@ -2783,7 +3069,7 @@
           <p:nvPr userDrawn="1"/>
         </p:nvPicPr>
         <p:blipFill>
-          <a:blip r:embed="rId4">
+          <a:blip r:embed="rId3">
             <a:extLst>
               <a:ext uri="{28A0092B-C50C-407E-A947-70E740481C1C}">
                 <a14:useLocalDpi xmlns:a14="http://schemas.microsoft.com/office/drawing/2010/main" val="0"/>
@@ -2824,7 +3110,7 @@
           <p:nvPr userDrawn="1"/>
         </p:nvPicPr>
         <p:blipFill>
-          <a:blip r:embed="rId5">
+          <a:blip r:embed="rId4">
             <a:extLst>
               <a:ext uri="{28A0092B-C50C-407E-A947-70E740481C1C}">
                 <a14:useLocalDpi xmlns:a14="http://schemas.microsoft.com/office/drawing/2010/main" val="0"/>
@@ -2924,39 +3210,10 @@
       </p:sp>
       <p:pic>
         <p:nvPicPr>
-          <p:cNvPr id="19" name="Grafik 18"/>
-          <p:cNvPicPr>
-            <a:picLocks noChangeAspect="1"/>
-          </p:cNvPicPr>
-          <p:nvPr userDrawn="1"/>
-        </p:nvPicPr>
-        <p:blipFill rotWithShape="1">
-          <a:blip r:embed="rId6" cstate="print">
-            <a:extLst>
-              <a:ext uri="{28A0092B-C50C-407E-A947-70E740481C1C}">
-                <a14:useLocalDpi xmlns:a14="http://schemas.microsoft.com/office/drawing/2010/main" val="0"/>
-              </a:ext>
-            </a:extLst>
-          </a:blip>
-          <a:srcRect t="15984" b="15885"/>
-          <a:stretch/>
-        </p:blipFill>
-        <p:spPr>
-          <a:xfrm>
-            <a:off x="471488" y="9224307"/>
-            <a:ext cx="1604044" cy="453441"/>
-          </a:xfrm>
-          <a:prstGeom prst="rect">
-            <a:avLst/>
-          </a:prstGeom>
-        </p:spPr>
-      </p:pic>
-      <p:pic>
-        <p:nvPicPr>
-          <p:cNvPr id="15" name="Grafik 14">
+          <p:cNvPr id="17" name="Grafik 16">
             <a:extLst>
               <a:ext uri="{FF2B5EF4-FFF2-40B4-BE49-F238E27FC236}">
-                <a16:creationId xmlns:a16="http://schemas.microsoft.com/office/drawing/2014/main" id="{8E963BBC-840C-4CC8-98BD-5F7CAAA6CC52}"/>
+                <a16:creationId xmlns:a16="http://schemas.microsoft.com/office/drawing/2014/main" id="{3FDE9894-8F5D-472F-91A4-45790B21D5B9}"/>
               </a:ext>
             </a:extLst>
           </p:cNvPr>
@@ -2966,7 +3223,7 @@
           <p:nvPr userDrawn="1"/>
         </p:nvPicPr>
         <p:blipFill>
-          <a:blip r:embed="rId7" cstate="print">
+          <a:blip r:embed="rId5" cstate="print">
             <a:extLst>
               <a:ext uri="{28A0092B-C50C-407E-A947-70E740481C1C}">
                 <a14:useLocalDpi xmlns:a14="http://schemas.microsoft.com/office/drawing/2010/main" val="0"/>
@@ -2979,8 +3236,115 @@
         </p:blipFill>
         <p:spPr>
           <a:xfrm>
+            <a:off x="4501564" y="9267750"/>
+            <a:ext cx="1884949" cy="324000"/>
+          </a:xfrm>
+          <a:prstGeom prst="rect">
+            <a:avLst/>
+          </a:prstGeom>
+        </p:spPr>
+      </p:pic>
+      <p:pic>
+        <p:nvPicPr>
+          <p:cNvPr id="20" name="Grafik 19">
+            <a:extLst>
+              <a:ext uri="{FF2B5EF4-FFF2-40B4-BE49-F238E27FC236}">
+                <a16:creationId xmlns:a16="http://schemas.microsoft.com/office/drawing/2014/main" id="{4CBA5BE3-032B-418D-848E-08FC706E6921}"/>
+              </a:ext>
+            </a:extLst>
+          </p:cNvPr>
+          <p:cNvPicPr>
+            <a:picLocks noChangeAspect="1"/>
+          </p:cNvPicPr>
+          <p:nvPr userDrawn="1"/>
+        </p:nvPicPr>
+        <p:blipFill rotWithShape="1">
+          <a:blip r:embed="rId6" cstate="print">
+            <a:extLst>
+              <a:ext uri="{28A0092B-C50C-407E-A947-70E740481C1C}">
+                <a14:useLocalDpi xmlns:a14="http://schemas.microsoft.com/office/drawing/2010/main" val="0"/>
+              </a:ext>
+            </a:extLst>
+          </a:blip>
+          <a:srcRect t="15984" b="15885"/>
+          <a:stretch/>
+        </p:blipFill>
+        <p:spPr>
+          <a:xfrm>
+            <a:off x="471488" y="9224307"/>
+            <a:ext cx="1604044" cy="453441"/>
+          </a:xfrm>
+          <a:prstGeom prst="rect">
+            <a:avLst/>
+          </a:prstGeom>
+        </p:spPr>
+      </p:pic>
+      <p:pic>
+        <p:nvPicPr>
+          <p:cNvPr id="21" name="Grafik 20">
+            <a:extLst>
+              <a:ext uri="{FF2B5EF4-FFF2-40B4-BE49-F238E27FC236}">
+                <a16:creationId xmlns:a16="http://schemas.microsoft.com/office/drawing/2014/main" id="{775CA621-734C-4361-9059-6D00A77C65D9}"/>
+              </a:ext>
+            </a:extLst>
+          </p:cNvPr>
+          <p:cNvPicPr>
+            <a:picLocks noChangeAspect="1"/>
+          </p:cNvPicPr>
+          <p:nvPr userDrawn="1"/>
+        </p:nvPicPr>
+        <p:blipFill>
+          <a:blip r:embed="rId7" cstate="print">
+            <a:extLst>
+              <a:ext uri="{28A0092B-C50C-407E-A947-70E740481C1C}">
+                <a14:useLocalDpi xmlns:a14="http://schemas.microsoft.com/office/drawing/2010/main" val="0"/>
+              </a:ext>
+            </a:extLst>
+          </a:blip>
+          <a:stretch>
+            <a:fillRect/>
+          </a:stretch>
+        </p:blipFill>
+        <p:spPr>
+          <a:xfrm>
             <a:off x="2074069" y="9099550"/>
             <a:ext cx="381000" cy="571500"/>
+          </a:xfrm>
+          <a:prstGeom prst="rect">
+            <a:avLst/>
+          </a:prstGeom>
+        </p:spPr>
+      </p:pic>
+      <p:pic>
+        <p:nvPicPr>
+          <p:cNvPr id="22" name="Grafik 21">
+            <a:extLst>
+              <a:ext uri="{FF2B5EF4-FFF2-40B4-BE49-F238E27FC236}">
+                <a16:creationId xmlns:a16="http://schemas.microsoft.com/office/drawing/2014/main" id="{4FF9BF89-774D-47C2-8F75-0E3D4E6E1BD8}"/>
+              </a:ext>
+            </a:extLst>
+          </p:cNvPr>
+          <p:cNvPicPr>
+            <a:picLocks noChangeAspect="1"/>
+          </p:cNvPicPr>
+          <p:nvPr userDrawn="1"/>
+        </p:nvPicPr>
+        <p:blipFill>
+          <a:blip r:embed="rId8" cstate="print">
+            <a:extLst>
+              <a:ext uri="{28A0092B-C50C-407E-A947-70E740481C1C}">
+                <a14:useLocalDpi xmlns:a14="http://schemas.microsoft.com/office/drawing/2010/main" val="0"/>
+              </a:ext>
+            </a:extLst>
+          </a:blip>
+          <a:stretch>
+            <a:fillRect/>
+          </a:stretch>
+        </p:blipFill>
+        <p:spPr>
+          <a:xfrm>
+            <a:off x="3590172" y="8960427"/>
+            <a:ext cx="911392" cy="911392"/>
           </a:xfrm>
           <a:prstGeom prst="rect">
             <a:avLst/>
@@ -3067,7 +3431,7 @@
           <a:p>
             <a:fld id="{FC9269F9-6F79-4414-A84E-D81C6C443C37}" type="datetimeFigureOut">
               <a:rPr lang="de-DE" smtClean="0"/>
-              <a:t>06.12.2019</a:t>
+              <a:t>09.12.2019</a:t>
             </a:fld>
             <a:endParaRPr lang="de-DE"/>
           </a:p>
@@ -3243,6 +3607,149 @@
           </a:p>
         </p:txBody>
       </p:sp>
+      <p:pic>
+        <p:nvPicPr>
+          <p:cNvPr id="10" name="Grafik 9">
+            <a:extLst>
+              <a:ext uri="{FF2B5EF4-FFF2-40B4-BE49-F238E27FC236}">
+                <a16:creationId xmlns:a16="http://schemas.microsoft.com/office/drawing/2014/main" id="{846E5CF6-5A18-4785-8DB9-357A0689F475}"/>
+              </a:ext>
+            </a:extLst>
+          </p:cNvPr>
+          <p:cNvPicPr>
+            <a:picLocks noChangeAspect="1"/>
+          </p:cNvPicPr>
+          <p:nvPr userDrawn="1"/>
+        </p:nvPicPr>
+        <p:blipFill>
+          <a:blip r:embed="rId2" cstate="print">
+            <a:extLst>
+              <a:ext uri="{28A0092B-C50C-407E-A947-70E740481C1C}">
+                <a14:useLocalDpi xmlns:a14="http://schemas.microsoft.com/office/drawing/2010/main" val="0"/>
+              </a:ext>
+            </a:extLst>
+          </a:blip>
+          <a:stretch>
+            <a:fillRect/>
+          </a:stretch>
+        </p:blipFill>
+        <p:spPr>
+          <a:xfrm>
+            <a:off x="4501564" y="9267750"/>
+            <a:ext cx="1884949" cy="324000"/>
+          </a:xfrm>
+          <a:prstGeom prst="rect">
+            <a:avLst/>
+          </a:prstGeom>
+        </p:spPr>
+      </p:pic>
+      <p:pic>
+        <p:nvPicPr>
+          <p:cNvPr id="11" name="Grafik 10">
+            <a:extLst>
+              <a:ext uri="{FF2B5EF4-FFF2-40B4-BE49-F238E27FC236}">
+                <a16:creationId xmlns:a16="http://schemas.microsoft.com/office/drawing/2014/main" id="{73AF1E55-DAA9-48E0-B464-C429E0DB7465}"/>
+              </a:ext>
+            </a:extLst>
+          </p:cNvPr>
+          <p:cNvPicPr>
+            <a:picLocks noChangeAspect="1"/>
+          </p:cNvPicPr>
+          <p:nvPr userDrawn="1"/>
+        </p:nvPicPr>
+        <p:blipFill rotWithShape="1">
+          <a:blip r:embed="rId3" cstate="print">
+            <a:extLst>
+              <a:ext uri="{28A0092B-C50C-407E-A947-70E740481C1C}">
+                <a14:useLocalDpi xmlns:a14="http://schemas.microsoft.com/office/drawing/2010/main" val="0"/>
+              </a:ext>
+            </a:extLst>
+          </a:blip>
+          <a:srcRect t="15984" b="15885"/>
+          <a:stretch/>
+        </p:blipFill>
+        <p:spPr>
+          <a:xfrm>
+            <a:off x="471488" y="9224307"/>
+            <a:ext cx="1604044" cy="453441"/>
+          </a:xfrm>
+          <a:prstGeom prst="rect">
+            <a:avLst/>
+          </a:prstGeom>
+        </p:spPr>
+      </p:pic>
+      <p:pic>
+        <p:nvPicPr>
+          <p:cNvPr id="13" name="Grafik 12">
+            <a:extLst>
+              <a:ext uri="{FF2B5EF4-FFF2-40B4-BE49-F238E27FC236}">
+                <a16:creationId xmlns:a16="http://schemas.microsoft.com/office/drawing/2014/main" id="{CAE8D235-D982-4EF3-8E1F-FED98E560D31}"/>
+              </a:ext>
+            </a:extLst>
+          </p:cNvPr>
+          <p:cNvPicPr>
+            <a:picLocks noChangeAspect="1"/>
+          </p:cNvPicPr>
+          <p:nvPr userDrawn="1"/>
+        </p:nvPicPr>
+        <p:blipFill>
+          <a:blip r:embed="rId4" cstate="print">
+            <a:extLst>
+              <a:ext uri="{28A0092B-C50C-407E-A947-70E740481C1C}">
+                <a14:useLocalDpi xmlns:a14="http://schemas.microsoft.com/office/drawing/2010/main" val="0"/>
+              </a:ext>
+            </a:extLst>
+          </a:blip>
+          <a:stretch>
+            <a:fillRect/>
+          </a:stretch>
+        </p:blipFill>
+        <p:spPr>
+          <a:xfrm>
+            <a:off x="2074069" y="9099550"/>
+            <a:ext cx="381000" cy="571500"/>
+          </a:xfrm>
+          <a:prstGeom prst="rect">
+            <a:avLst/>
+          </a:prstGeom>
+        </p:spPr>
+      </p:pic>
+      <p:pic>
+        <p:nvPicPr>
+          <p:cNvPr id="15" name="Grafik 14">
+            <a:extLst>
+              <a:ext uri="{FF2B5EF4-FFF2-40B4-BE49-F238E27FC236}">
+                <a16:creationId xmlns:a16="http://schemas.microsoft.com/office/drawing/2014/main" id="{4B057928-F2B8-404B-9824-1DC72F199D9D}"/>
+              </a:ext>
+            </a:extLst>
+          </p:cNvPr>
+          <p:cNvPicPr>
+            <a:picLocks noChangeAspect="1"/>
+          </p:cNvPicPr>
+          <p:nvPr userDrawn="1"/>
+        </p:nvPicPr>
+        <p:blipFill>
+          <a:blip r:embed="rId5" cstate="print">
+            <a:extLst>
+              <a:ext uri="{28A0092B-C50C-407E-A947-70E740481C1C}">
+                <a14:useLocalDpi xmlns:a14="http://schemas.microsoft.com/office/drawing/2010/main" val="0"/>
+              </a:ext>
+            </a:extLst>
+          </a:blip>
+          <a:stretch>
+            <a:fillRect/>
+          </a:stretch>
+        </p:blipFill>
+        <p:spPr>
+          <a:xfrm>
+            <a:off x="3590172" y="8960427"/>
+            <a:ext cx="911392" cy="911392"/>
+          </a:xfrm>
+          <a:prstGeom prst="rect">
+            <a:avLst/>
+          </a:prstGeom>
+        </p:spPr>
+      </p:pic>
     </p:spTree>
     <p:extLst>
       <p:ext uri="{BB962C8B-B14F-4D97-AF65-F5344CB8AC3E}">
@@ -3290,7 +3797,7 @@
           <a:p>
             <a:fld id="{FC9269F9-6F79-4414-A84E-D81C6C443C37}" type="datetimeFigureOut">
               <a:rPr lang="de-DE" smtClean="0"/>
-              <a:t>06.12.2019</a:t>
+              <a:t>09.12.2019</a:t>
             </a:fld>
             <a:endParaRPr lang="de-DE"/>
           </a:p>
@@ -3338,6 +3845,149 @@
           </a:p>
         </p:txBody>
       </p:sp>
+      <p:pic>
+        <p:nvPicPr>
+          <p:cNvPr id="6" name="Grafik 5">
+            <a:extLst>
+              <a:ext uri="{FF2B5EF4-FFF2-40B4-BE49-F238E27FC236}">
+                <a16:creationId xmlns:a16="http://schemas.microsoft.com/office/drawing/2014/main" id="{5FCEB7AF-837D-495A-8CA0-B751348E49AE}"/>
+              </a:ext>
+            </a:extLst>
+          </p:cNvPr>
+          <p:cNvPicPr>
+            <a:picLocks noChangeAspect="1"/>
+          </p:cNvPicPr>
+          <p:nvPr userDrawn="1"/>
+        </p:nvPicPr>
+        <p:blipFill>
+          <a:blip r:embed="rId2" cstate="print">
+            <a:extLst>
+              <a:ext uri="{28A0092B-C50C-407E-A947-70E740481C1C}">
+                <a14:useLocalDpi xmlns:a14="http://schemas.microsoft.com/office/drawing/2010/main" val="0"/>
+              </a:ext>
+            </a:extLst>
+          </a:blip>
+          <a:stretch>
+            <a:fillRect/>
+          </a:stretch>
+        </p:blipFill>
+        <p:spPr>
+          <a:xfrm>
+            <a:off x="4501564" y="9267750"/>
+            <a:ext cx="1884949" cy="324000"/>
+          </a:xfrm>
+          <a:prstGeom prst="rect">
+            <a:avLst/>
+          </a:prstGeom>
+        </p:spPr>
+      </p:pic>
+      <p:pic>
+        <p:nvPicPr>
+          <p:cNvPr id="7" name="Grafik 6">
+            <a:extLst>
+              <a:ext uri="{FF2B5EF4-FFF2-40B4-BE49-F238E27FC236}">
+                <a16:creationId xmlns:a16="http://schemas.microsoft.com/office/drawing/2014/main" id="{9329C08B-AE36-43B3-91C7-ED7C353EEC47}"/>
+              </a:ext>
+            </a:extLst>
+          </p:cNvPr>
+          <p:cNvPicPr>
+            <a:picLocks noChangeAspect="1"/>
+          </p:cNvPicPr>
+          <p:nvPr userDrawn="1"/>
+        </p:nvPicPr>
+        <p:blipFill rotWithShape="1">
+          <a:blip r:embed="rId3" cstate="print">
+            <a:extLst>
+              <a:ext uri="{28A0092B-C50C-407E-A947-70E740481C1C}">
+                <a14:useLocalDpi xmlns:a14="http://schemas.microsoft.com/office/drawing/2010/main" val="0"/>
+              </a:ext>
+            </a:extLst>
+          </a:blip>
+          <a:srcRect t="15984" b="15885"/>
+          <a:stretch/>
+        </p:blipFill>
+        <p:spPr>
+          <a:xfrm>
+            <a:off x="471488" y="9224307"/>
+            <a:ext cx="1604044" cy="453441"/>
+          </a:xfrm>
+          <a:prstGeom prst="rect">
+            <a:avLst/>
+          </a:prstGeom>
+        </p:spPr>
+      </p:pic>
+      <p:pic>
+        <p:nvPicPr>
+          <p:cNvPr id="8" name="Grafik 7">
+            <a:extLst>
+              <a:ext uri="{FF2B5EF4-FFF2-40B4-BE49-F238E27FC236}">
+                <a16:creationId xmlns:a16="http://schemas.microsoft.com/office/drawing/2014/main" id="{99005B15-742E-4577-B1EC-4ABF94213517}"/>
+              </a:ext>
+            </a:extLst>
+          </p:cNvPr>
+          <p:cNvPicPr>
+            <a:picLocks noChangeAspect="1"/>
+          </p:cNvPicPr>
+          <p:nvPr userDrawn="1"/>
+        </p:nvPicPr>
+        <p:blipFill>
+          <a:blip r:embed="rId4" cstate="print">
+            <a:extLst>
+              <a:ext uri="{28A0092B-C50C-407E-A947-70E740481C1C}">
+                <a14:useLocalDpi xmlns:a14="http://schemas.microsoft.com/office/drawing/2010/main" val="0"/>
+              </a:ext>
+            </a:extLst>
+          </a:blip>
+          <a:stretch>
+            <a:fillRect/>
+          </a:stretch>
+        </p:blipFill>
+        <p:spPr>
+          <a:xfrm>
+            <a:off x="2074069" y="9099550"/>
+            <a:ext cx="381000" cy="571500"/>
+          </a:xfrm>
+          <a:prstGeom prst="rect">
+            <a:avLst/>
+          </a:prstGeom>
+        </p:spPr>
+      </p:pic>
+      <p:pic>
+        <p:nvPicPr>
+          <p:cNvPr id="9" name="Grafik 8">
+            <a:extLst>
+              <a:ext uri="{FF2B5EF4-FFF2-40B4-BE49-F238E27FC236}">
+                <a16:creationId xmlns:a16="http://schemas.microsoft.com/office/drawing/2014/main" id="{24CA2523-D487-4946-AD0D-023E36259548}"/>
+              </a:ext>
+            </a:extLst>
+          </p:cNvPr>
+          <p:cNvPicPr>
+            <a:picLocks noChangeAspect="1"/>
+          </p:cNvPicPr>
+          <p:nvPr userDrawn="1"/>
+        </p:nvPicPr>
+        <p:blipFill>
+          <a:blip r:embed="rId5" cstate="print">
+            <a:extLst>
+              <a:ext uri="{28A0092B-C50C-407E-A947-70E740481C1C}">
+                <a14:useLocalDpi xmlns:a14="http://schemas.microsoft.com/office/drawing/2010/main" val="0"/>
+              </a:ext>
+            </a:extLst>
+          </a:blip>
+          <a:stretch>
+            <a:fillRect/>
+          </a:stretch>
+        </p:blipFill>
+        <p:spPr>
+          <a:xfrm>
+            <a:off x="3590172" y="8960427"/>
+            <a:ext cx="911392" cy="911392"/>
+          </a:xfrm>
+          <a:prstGeom prst="rect">
+            <a:avLst/>
+          </a:prstGeom>
+        </p:spPr>
+      </p:pic>
     </p:spTree>
     <p:extLst>
       <p:ext uri="{BB962C8B-B14F-4D97-AF65-F5344CB8AC3E}">
@@ -3503,7 +4153,7 @@
           <a:p>
             <a:fld id="{FC9269F9-6F79-4414-A84E-D81C6C443C37}" type="datetimeFigureOut">
               <a:rPr lang="de-DE" smtClean="0"/>
-              <a:t>06.12.2019</a:t>
+              <a:t>09.12.2019</a:t>
             </a:fld>
             <a:endParaRPr lang="de-DE"/>
           </a:p>
@@ -3588,6 +4238,149 @@
           </a:p>
         </p:txBody>
       </p:sp>
+      <p:pic>
+        <p:nvPicPr>
+          <p:cNvPr id="7" name="Grafik 6">
+            <a:extLst>
+              <a:ext uri="{FF2B5EF4-FFF2-40B4-BE49-F238E27FC236}">
+                <a16:creationId xmlns:a16="http://schemas.microsoft.com/office/drawing/2014/main" id="{EFA48465-1D4B-4417-84C4-28E927C9D375}"/>
+              </a:ext>
+            </a:extLst>
+          </p:cNvPr>
+          <p:cNvPicPr>
+            <a:picLocks noChangeAspect="1"/>
+          </p:cNvPicPr>
+          <p:nvPr userDrawn="1"/>
+        </p:nvPicPr>
+        <p:blipFill>
+          <a:blip r:embed="rId10" cstate="print">
+            <a:extLst>
+              <a:ext uri="{28A0092B-C50C-407E-A947-70E740481C1C}">
+                <a14:useLocalDpi xmlns:a14="http://schemas.microsoft.com/office/drawing/2010/main" val="0"/>
+              </a:ext>
+            </a:extLst>
+          </a:blip>
+          <a:stretch>
+            <a:fillRect/>
+          </a:stretch>
+        </p:blipFill>
+        <p:spPr>
+          <a:xfrm>
+            <a:off x="4501564" y="9267750"/>
+            <a:ext cx="1884949" cy="324000"/>
+          </a:xfrm>
+          <a:prstGeom prst="rect">
+            <a:avLst/>
+          </a:prstGeom>
+        </p:spPr>
+      </p:pic>
+      <p:pic>
+        <p:nvPicPr>
+          <p:cNvPr id="8" name="Grafik 7">
+            <a:extLst>
+              <a:ext uri="{FF2B5EF4-FFF2-40B4-BE49-F238E27FC236}">
+                <a16:creationId xmlns:a16="http://schemas.microsoft.com/office/drawing/2014/main" id="{D0DEC049-0E60-45E8-AB75-7775DBBDFDBB}"/>
+              </a:ext>
+            </a:extLst>
+          </p:cNvPr>
+          <p:cNvPicPr>
+            <a:picLocks noChangeAspect="1"/>
+          </p:cNvPicPr>
+          <p:nvPr userDrawn="1"/>
+        </p:nvPicPr>
+        <p:blipFill rotWithShape="1">
+          <a:blip r:embed="rId11" cstate="print">
+            <a:extLst>
+              <a:ext uri="{28A0092B-C50C-407E-A947-70E740481C1C}">
+                <a14:useLocalDpi xmlns:a14="http://schemas.microsoft.com/office/drawing/2010/main" val="0"/>
+              </a:ext>
+            </a:extLst>
+          </a:blip>
+          <a:srcRect t="15984" b="15885"/>
+          <a:stretch/>
+        </p:blipFill>
+        <p:spPr>
+          <a:xfrm>
+            <a:off x="471488" y="9224307"/>
+            <a:ext cx="1604044" cy="453441"/>
+          </a:xfrm>
+          <a:prstGeom prst="rect">
+            <a:avLst/>
+          </a:prstGeom>
+        </p:spPr>
+      </p:pic>
+      <p:pic>
+        <p:nvPicPr>
+          <p:cNvPr id="9" name="Grafik 8">
+            <a:extLst>
+              <a:ext uri="{FF2B5EF4-FFF2-40B4-BE49-F238E27FC236}">
+                <a16:creationId xmlns:a16="http://schemas.microsoft.com/office/drawing/2014/main" id="{69592F8C-169C-4DAC-9E36-128AE1C712D3}"/>
+              </a:ext>
+            </a:extLst>
+          </p:cNvPr>
+          <p:cNvPicPr>
+            <a:picLocks noChangeAspect="1"/>
+          </p:cNvPicPr>
+          <p:nvPr userDrawn="1"/>
+        </p:nvPicPr>
+        <p:blipFill>
+          <a:blip r:embed="rId12" cstate="print">
+            <a:extLst>
+              <a:ext uri="{28A0092B-C50C-407E-A947-70E740481C1C}">
+                <a14:useLocalDpi xmlns:a14="http://schemas.microsoft.com/office/drawing/2010/main" val="0"/>
+              </a:ext>
+            </a:extLst>
+          </a:blip>
+          <a:stretch>
+            <a:fillRect/>
+          </a:stretch>
+        </p:blipFill>
+        <p:spPr>
+          <a:xfrm>
+            <a:off x="2074069" y="9099550"/>
+            <a:ext cx="381000" cy="571500"/>
+          </a:xfrm>
+          <a:prstGeom prst="rect">
+            <a:avLst/>
+          </a:prstGeom>
+        </p:spPr>
+      </p:pic>
+      <p:pic>
+        <p:nvPicPr>
+          <p:cNvPr id="10" name="Grafik 9">
+            <a:extLst>
+              <a:ext uri="{FF2B5EF4-FFF2-40B4-BE49-F238E27FC236}">
+                <a16:creationId xmlns:a16="http://schemas.microsoft.com/office/drawing/2014/main" id="{1B857732-95BD-4547-8926-7641A6AD2126}"/>
+              </a:ext>
+            </a:extLst>
+          </p:cNvPr>
+          <p:cNvPicPr>
+            <a:picLocks noChangeAspect="1"/>
+          </p:cNvPicPr>
+          <p:nvPr userDrawn="1"/>
+        </p:nvPicPr>
+        <p:blipFill>
+          <a:blip r:embed="rId13" cstate="print">
+            <a:extLst>
+              <a:ext uri="{28A0092B-C50C-407E-A947-70E740481C1C}">
+                <a14:useLocalDpi xmlns:a14="http://schemas.microsoft.com/office/drawing/2010/main" val="0"/>
+              </a:ext>
+            </a:extLst>
+          </a:blip>
+          <a:stretch>
+            <a:fillRect/>
+          </a:stretch>
+        </p:blipFill>
+        <p:spPr>
+          <a:xfrm>
+            <a:off x="3590172" y="8960427"/>
+            <a:ext cx="911392" cy="911392"/>
+          </a:xfrm>
+          <a:prstGeom prst="rect">
+            <a:avLst/>
+          </a:prstGeom>
+        </p:spPr>
+      </p:pic>
     </p:spTree>
     <p:extLst>
       <p:ext uri="{BB962C8B-B14F-4D97-AF65-F5344CB8AC3E}">
